--- a/reports/Project Proposal.pptx
+++ b/reports/Project Proposal.pptx
@@ -120,6 +120,11 @@
       </a:defRPr>
     </a:lvl9pPr>
   </p:defaultTextStyle>
+  <p:extLst>
+    <p:ext uri="{EFAFB233-063F-42B5-8137-9DF3F51BA10A}">
+      <p15:sldGuideLst xmlns:p15="http://schemas.microsoft.com/office/powerpoint/2012/main"/>
+    </p:ext>
+  </p:extLst>
 </p:presentation>
 </file>
 
@@ -205,7 +210,7 @@
           <a:p>
             <a:fld id="{F05B1B6E-797F-463A-A7D4-DD6280198D51}" type="datetimeFigureOut">
               <a:rPr lang="en-US" smtClean="0"/>
-              <a:t>3/1/2025</a:t>
+              <a:t>3/2/2025</a:t>
             </a:fld>
             <a:endParaRPr lang="en-US"/>
           </a:p>
@@ -619,7 +624,7 @@
           <a:p>
             <a:fld id="{0D1B6418-3D74-4149-80BB-BA8F7622B68A}" type="datetime1">
               <a:rPr lang="en-US" smtClean="0"/>
-              <a:t>3/1/2025</a:t>
+              <a:t>3/2/2025</a:t>
             </a:fld>
             <a:endParaRPr lang="en-US"/>
           </a:p>
@@ -817,7 +822,7 @@
           <a:p>
             <a:fld id="{AF5ECC49-D406-4476-BCC5-4039744CAE85}" type="datetime1">
               <a:rPr lang="en-US" smtClean="0"/>
-              <a:t>3/1/2025</a:t>
+              <a:t>3/2/2025</a:t>
             </a:fld>
             <a:endParaRPr lang="en-US"/>
           </a:p>
@@ -1025,7 +1030,7 @@
           <a:p>
             <a:fld id="{22F304E0-DD01-408B-AF24-80F7E5DDF742}" type="datetime1">
               <a:rPr lang="en-US" smtClean="0"/>
-              <a:t>3/1/2025</a:t>
+              <a:t>3/2/2025</a:t>
             </a:fld>
             <a:endParaRPr lang="en-US"/>
           </a:p>
@@ -1237,7 +1242,7 @@
           <a:p>
             <a:fld id="{F454F08C-CC3C-43C1-AF75-80BDE1EC15A8}" type="datetime1">
               <a:rPr lang="en-US" smtClean="0"/>
-              <a:t>3/1/2025</a:t>
+              <a:t>3/2/2025</a:t>
             </a:fld>
             <a:endParaRPr lang="en-US"/>
           </a:p>
@@ -1448,7 +1453,7 @@
           <a:p>
             <a:fld id="{206756F4-95A7-482E-A07E-04BDF4EE8E79}" type="datetime1">
               <a:rPr lang="en-US" smtClean="0"/>
-              <a:t>3/1/2025</a:t>
+              <a:t>3/2/2025</a:t>
             </a:fld>
             <a:endParaRPr lang="en-US"/>
           </a:p>
@@ -1727,7 +1732,7 @@
           <a:p>
             <a:fld id="{C6286110-00B6-443D-8D26-8E4D3B4CA4D5}" type="datetime1">
               <a:rPr lang="en-US" smtClean="0"/>
-              <a:t>3/1/2025</a:t>
+              <a:t>3/2/2025</a:t>
             </a:fld>
             <a:endParaRPr lang="en-US"/>
           </a:p>
@@ -1995,7 +2000,7 @@
           <a:p>
             <a:fld id="{E872282A-9046-4A0B-B0CC-8FE40FFF47FD}" type="datetime1">
               <a:rPr lang="en-US" smtClean="0"/>
-              <a:t>3/1/2025</a:t>
+              <a:t>3/2/2025</a:t>
             </a:fld>
             <a:endParaRPr lang="en-US"/>
           </a:p>
@@ -2411,7 +2416,7 @@
           <a:p>
             <a:fld id="{05C718E9-E2E5-4CF2-A6D2-70E2AF15C900}" type="datetime1">
               <a:rPr lang="en-US" smtClean="0"/>
-              <a:t>3/1/2025</a:t>
+              <a:t>3/2/2025</a:t>
             </a:fld>
             <a:endParaRPr lang="en-US"/>
           </a:p>
@@ -2560,7 +2565,7 @@
           <a:p>
             <a:fld id="{A538EA3A-B9EC-4705-BBC0-DA4E849F13C3}" type="datetime1">
               <a:rPr lang="en-US" smtClean="0"/>
-              <a:t>3/1/2025</a:t>
+              <a:t>3/2/2025</a:t>
             </a:fld>
             <a:endParaRPr lang="en-US"/>
           </a:p>
@@ -2686,7 +2691,7 @@
           <a:p>
             <a:fld id="{1ECFE379-BA81-42C9-9B25-910C8C8F58CB}" type="datetime1">
               <a:rPr lang="en-US" smtClean="0"/>
-              <a:t>3/1/2025</a:t>
+              <a:t>3/2/2025</a:t>
             </a:fld>
             <a:endParaRPr lang="en-US"/>
           </a:p>
@@ -2937,7 +2942,7 @@
           <a:p>
             <a:fld id="{131B5E97-E22F-486A-98D0-F0E789FF29C3}" type="datetime1">
               <a:rPr lang="en-US" smtClean="0"/>
-              <a:t>3/1/2025</a:t>
+              <a:t>3/2/2025</a:t>
             </a:fld>
             <a:endParaRPr lang="en-US"/>
           </a:p>
@@ -3154,7 +3159,7 @@
           <a:p>
             <a:fld id="{7A81CC99-8B37-41AE-AD81-897F00368D52}" type="datetime1">
               <a:rPr lang="en-US" smtClean="0"/>
-              <a:t>3/1/2025</a:t>
+              <a:t>3/2/2025</a:t>
             </a:fld>
             <a:endParaRPr lang="en-US"/>
           </a:p>
@@ -3580,7 +3585,7 @@
           <a:p>
             <a:fld id="{B34742D0-8656-4CC4-A3EC-0F435724EFF6}" type="datetime1">
               <a:rPr lang="en-US" smtClean="0"/>
-              <a:t>3/1/2025</a:t>
+              <a:t>3/2/2025</a:t>
             </a:fld>
             <a:endParaRPr lang="en-US"/>
           </a:p>
@@ -3786,7 +3791,7 @@
           <a:p>
             <a:fld id="{FC7E66CE-0377-4DAB-8632-8E083A883D09}" type="datetime1">
               <a:rPr lang="en-US" smtClean="0"/>
-              <a:t>3/1/2025</a:t>
+              <a:t>3/2/2025</a:t>
             </a:fld>
             <a:endParaRPr lang="en-US"/>
           </a:p>
@@ -4001,7 +4006,7 @@
           <a:p>
             <a:fld id="{9F1A950F-CB1D-415B-ACFD-C22A2E426970}" type="datetime1">
               <a:rPr lang="en-US" smtClean="0"/>
-              <a:t>3/1/2025</a:t>
+              <a:t>3/2/2025</a:t>
             </a:fld>
             <a:endParaRPr lang="en-US"/>
           </a:p>
@@ -4295,7 +4300,7 @@
           <a:p>
             <a:fld id="{63A631B9-A766-43B9-A557-3B39CC46DA2D}" type="datetime1">
               <a:rPr lang="en-US" smtClean="0"/>
-              <a:t>3/1/2025</a:t>
+              <a:t>3/2/2025</a:t>
             </a:fld>
             <a:endParaRPr lang="en-US"/>
           </a:p>
@@ -4560,7 +4565,7 @@
           <a:p>
             <a:fld id="{BF55BBF1-F7CD-430B-B2BF-9AC4ECCE955E}" type="datetime1">
               <a:rPr lang="en-US" smtClean="0"/>
-              <a:t>3/1/2025</a:t>
+              <a:t>3/2/2025</a:t>
             </a:fld>
             <a:endParaRPr lang="en-US"/>
           </a:p>
@@ -4972,7 +4977,7 @@
           <a:p>
             <a:fld id="{AD962E70-3367-42CC-985B-56EF7A988A0C}" type="datetime1">
               <a:rPr lang="en-US" smtClean="0"/>
-              <a:t>3/1/2025</a:t>
+              <a:t>3/2/2025</a:t>
             </a:fld>
             <a:endParaRPr lang="en-US"/>
           </a:p>
@@ -5113,7 +5118,7 @@
           <a:p>
             <a:fld id="{2DD9F243-9A06-47D3-B1D7-78EA9E7A6EB0}" type="datetime1">
               <a:rPr lang="en-US" smtClean="0"/>
-              <a:t>3/1/2025</a:t>
+              <a:t>3/2/2025</a:t>
             </a:fld>
             <a:endParaRPr lang="en-US"/>
           </a:p>
@@ -5226,7 +5231,7 @@
           <a:p>
             <a:fld id="{604D8495-F85A-4904-B5D7-421EB2304E30}" type="datetime1">
               <a:rPr lang="en-US" smtClean="0"/>
-              <a:t>3/1/2025</a:t>
+              <a:t>3/2/2025</a:t>
             </a:fld>
             <a:endParaRPr lang="en-US"/>
           </a:p>
@@ -5537,7 +5542,7 @@
           <a:p>
             <a:fld id="{8571AD5A-39FD-4DED-BA7F-7391A3611ACA}" type="datetime1">
               <a:rPr lang="en-US" smtClean="0"/>
-              <a:t>3/1/2025</a:t>
+              <a:t>3/2/2025</a:t>
             </a:fld>
             <a:endParaRPr lang="en-US"/>
           </a:p>
@@ -5825,7 +5830,7 @@
           <a:p>
             <a:fld id="{6C79DB93-9C9D-4F21-8ED2-7BE3773069EF}" type="datetime1">
               <a:rPr lang="en-US" smtClean="0"/>
-              <a:t>3/1/2025</a:t>
+              <a:t>3/2/2025</a:t>
             </a:fld>
             <a:endParaRPr lang="en-US"/>
           </a:p>
@@ -6066,7 +6071,7 @@
           <a:p>
             <a:fld id="{A59E7333-C6CA-44EA-8552-5AC25B9F7DC3}" type="datetime1">
               <a:rPr lang="en-US" smtClean="0"/>
-              <a:t>3/1/2025</a:t>
+              <a:t>3/2/2025</a:t>
             </a:fld>
             <a:endParaRPr lang="en-US"/>
           </a:p>
@@ -6697,7 +6702,7 @@
           <a:p>
             <a:fld id="{6A829D65-AA4F-472F-8305-97B88A4DAD5A}" type="datetime1">
               <a:rPr lang="en-US" smtClean="0"/>
-              <a:t>3/1/2025</a:t>
+              <a:t>3/2/2025</a:t>
             </a:fld>
             <a:endParaRPr lang="en-US"/>
           </a:p>
@@ -7419,53 +7424,6 @@
             <a:r>
               <a:rPr lang="en-US" dirty="0"/>
               <a:t>u1323213 </a:t>
-            </a:r>
-          </a:p>
-        </p:txBody>
-      </p:sp>
-      <p:sp>
-        <p:nvSpPr>
-          <p:cNvPr id="9" name="Rectangle: Rounded Corners 8">
-            <a:extLst>
-              <a:ext uri="{FF2B5EF4-FFF2-40B4-BE49-F238E27FC236}">
-                <a16:creationId xmlns:a16="http://schemas.microsoft.com/office/drawing/2014/main" id="{0276D75F-01BE-4062-9615-02D2A6B46C42}"/>
-              </a:ext>
-            </a:extLst>
-          </p:cNvPr>
-          <p:cNvSpPr/>
-          <p:nvPr/>
-        </p:nvSpPr>
-        <p:spPr>
-          <a:xfrm>
-            <a:off x="704193" y="283779"/>
-            <a:ext cx="2459421" cy="672662"/>
-          </a:xfrm>
-          <a:prstGeom prst="roundRect">
-            <a:avLst/>
-          </a:prstGeom>
-        </p:spPr>
-        <p:style>
-          <a:lnRef idx="2">
-            <a:schemeClr val="accent6"/>
-          </a:lnRef>
-          <a:fillRef idx="1">
-            <a:schemeClr val="lt1"/>
-          </a:fillRef>
-          <a:effectRef idx="0">
-            <a:schemeClr val="accent6"/>
-          </a:effectRef>
-          <a:fontRef idx="minor">
-            <a:schemeClr val="dk1"/>
-          </a:fontRef>
-        </p:style>
-        <p:txBody>
-          <a:bodyPr rtlCol="0" anchor="ctr"/>
-          <a:lstStyle/>
-          <a:p>
-            <a:pPr algn="ctr"/>
-            <a:r>
-              <a:rPr lang="en-US" sz="3200" dirty="0"/>
-              <a:t>Proposal On</a:t>
             </a:r>
           </a:p>
         </p:txBody>
